--- a/Presentation.pptx
+++ b/Presentation.pptx
@@ -7,6 +7,13 @@
   <p:sldIdLst>
     <p:sldId id="256" r:id="rId2"/>
     <p:sldId id="257" r:id="rId3"/>
+    <p:sldId id="258" r:id="rId4"/>
+    <p:sldId id="259" r:id="rId5"/>
+    <p:sldId id="260" r:id="rId6"/>
+    <p:sldId id="261" r:id="rId7"/>
+    <p:sldId id="262" r:id="rId8"/>
+    <p:sldId id="263" r:id="rId9"/>
+    <p:sldId id="264" r:id="rId10"/>
   </p:sldIdLst>
   <p:sldSz cx="12192000" cy="6858000"/>
   <p:notesSz cx="6858000" cy="9144000"/>
@@ -6031,6 +6038,590 @@
 </p:sld>
 </file>
 
+<file path=ppt/slides/slide3.xml><?xml version="1.0" encoding="utf-8"?>
+<p:sld xmlns:a="http://schemas.openxmlformats.org/drawingml/2006/main" xmlns:r="http://schemas.openxmlformats.org/officeDocument/2006/relationships" xmlns:p="http://schemas.openxmlformats.org/presentationml/2006/main">
+  <p:cSld>
+    <p:spTree>
+      <p:nvGrpSpPr>
+        <p:cNvPr id="1" name=""/>
+        <p:cNvGrpSpPr/>
+        <p:nvPr/>
+      </p:nvGrpSpPr>
+      <p:grpSpPr>
+        <a:xfrm>
+          <a:off x="0" y="0"/>
+          <a:ext cx="0" cy="0"/>
+          <a:chOff x="0" y="0"/>
+          <a:chExt cx="0" cy="0"/>
+        </a:xfrm>
+      </p:grpSpPr>
+      <p:sp>
+        <p:nvSpPr>
+          <p:cNvPr id="2" name="Title 1">
+            <a:extLst>
+              <a:ext uri="{FF2B5EF4-FFF2-40B4-BE49-F238E27FC236}">
+                <a16:creationId xmlns:a16="http://schemas.microsoft.com/office/drawing/2014/main" id="{038EAD97-10C6-4A9B-87C4-053091487EEB}"/>
+              </a:ext>
+            </a:extLst>
+          </p:cNvPr>
+          <p:cNvSpPr>
+            <a:spLocks noGrp="1"/>
+          </p:cNvSpPr>
+          <p:nvPr>
+            <p:ph type="title"/>
+          </p:nvPr>
+        </p:nvSpPr>
+        <p:spPr/>
+        <p:txBody>
+          <a:bodyPr/>
+          <a:lstStyle/>
+          <a:p>
+            <a:r>
+              <a:rPr lang="ro-RO" dirty="0"/>
+              <a:t>Motivație</a:t>
+            </a:r>
+          </a:p>
+        </p:txBody>
+      </p:sp>
+      <p:sp>
+        <p:nvSpPr>
+          <p:cNvPr id="3" name="Content Placeholder 2">
+            <a:extLst>
+              <a:ext uri="{FF2B5EF4-FFF2-40B4-BE49-F238E27FC236}">
+                <a16:creationId xmlns:a16="http://schemas.microsoft.com/office/drawing/2014/main" id="{5A060FCB-339A-4260-8792-E49FB197973C}"/>
+              </a:ext>
+            </a:extLst>
+          </p:cNvPr>
+          <p:cNvSpPr>
+            <a:spLocks noGrp="1"/>
+          </p:cNvSpPr>
+          <p:nvPr>
+            <p:ph idx="1"/>
+          </p:nvPr>
+        </p:nvSpPr>
+        <p:spPr/>
+        <p:txBody>
+          <a:bodyPr/>
+          <a:lstStyle/>
+          <a:p>
+            <a:endParaRPr lang="ro-RO"/>
+          </a:p>
+        </p:txBody>
+      </p:sp>
+    </p:spTree>
+    <p:extLst>
+      <p:ext uri="{BB962C8B-B14F-4D97-AF65-F5344CB8AC3E}">
+        <p14:creationId xmlns:p14="http://schemas.microsoft.com/office/powerpoint/2010/main" val="2185189175"/>
+      </p:ext>
+    </p:extLst>
+  </p:cSld>
+  <p:clrMapOvr>
+    <a:masterClrMapping/>
+  </p:clrMapOvr>
+</p:sld>
+</file>
+
+<file path=ppt/slides/slide4.xml><?xml version="1.0" encoding="utf-8"?>
+<p:sld xmlns:a="http://schemas.openxmlformats.org/drawingml/2006/main" xmlns:r="http://schemas.openxmlformats.org/officeDocument/2006/relationships" xmlns:p="http://schemas.openxmlformats.org/presentationml/2006/main">
+  <p:cSld>
+    <p:spTree>
+      <p:nvGrpSpPr>
+        <p:cNvPr id="1" name=""/>
+        <p:cNvGrpSpPr/>
+        <p:nvPr/>
+      </p:nvGrpSpPr>
+      <p:grpSpPr>
+        <a:xfrm>
+          <a:off x="0" y="0"/>
+          <a:ext cx="0" cy="0"/>
+          <a:chOff x="0" y="0"/>
+          <a:chExt cx="0" cy="0"/>
+        </a:xfrm>
+      </p:grpSpPr>
+      <p:sp>
+        <p:nvSpPr>
+          <p:cNvPr id="2" name="Title 1">
+            <a:extLst>
+              <a:ext uri="{FF2B5EF4-FFF2-40B4-BE49-F238E27FC236}">
+                <a16:creationId xmlns:a16="http://schemas.microsoft.com/office/drawing/2014/main" id="{DE0F5C56-6AD6-4979-A29B-D042CF6DA0BD}"/>
+              </a:ext>
+            </a:extLst>
+          </p:cNvPr>
+          <p:cNvSpPr>
+            <a:spLocks noGrp="1"/>
+          </p:cNvSpPr>
+          <p:nvPr>
+            <p:ph type="title"/>
+          </p:nvPr>
+        </p:nvSpPr>
+        <p:spPr/>
+        <p:txBody>
+          <a:bodyPr/>
+          <a:lstStyle/>
+          <a:p>
+            <a:r>
+              <a:rPr lang="ro-RO" dirty="0"/>
+              <a:t>Aplicație</a:t>
+            </a:r>
+          </a:p>
+        </p:txBody>
+      </p:sp>
+      <p:sp>
+        <p:nvSpPr>
+          <p:cNvPr id="3" name="Content Placeholder 2">
+            <a:extLst>
+              <a:ext uri="{FF2B5EF4-FFF2-40B4-BE49-F238E27FC236}">
+                <a16:creationId xmlns:a16="http://schemas.microsoft.com/office/drawing/2014/main" id="{3383AFD1-3EB6-49AB-9AD2-DEE176396CB2}"/>
+              </a:ext>
+            </a:extLst>
+          </p:cNvPr>
+          <p:cNvSpPr>
+            <a:spLocks noGrp="1"/>
+          </p:cNvSpPr>
+          <p:nvPr>
+            <p:ph idx="1"/>
+          </p:nvPr>
+        </p:nvSpPr>
+        <p:spPr/>
+        <p:txBody>
+          <a:bodyPr/>
+          <a:lstStyle/>
+          <a:p>
+            <a:endParaRPr lang="ro-RO"/>
+          </a:p>
+        </p:txBody>
+      </p:sp>
+    </p:spTree>
+    <p:extLst>
+      <p:ext uri="{BB962C8B-B14F-4D97-AF65-F5344CB8AC3E}">
+        <p14:creationId xmlns:p14="http://schemas.microsoft.com/office/powerpoint/2010/main" val="2886876147"/>
+      </p:ext>
+    </p:extLst>
+  </p:cSld>
+  <p:clrMapOvr>
+    <a:masterClrMapping/>
+  </p:clrMapOvr>
+</p:sld>
+</file>
+
+<file path=ppt/slides/slide5.xml><?xml version="1.0" encoding="utf-8"?>
+<p:sld xmlns:a="http://schemas.openxmlformats.org/drawingml/2006/main" xmlns:r="http://schemas.openxmlformats.org/officeDocument/2006/relationships" xmlns:p="http://schemas.openxmlformats.org/presentationml/2006/main">
+  <p:cSld>
+    <p:spTree>
+      <p:nvGrpSpPr>
+        <p:cNvPr id="1" name=""/>
+        <p:cNvGrpSpPr/>
+        <p:nvPr/>
+      </p:nvGrpSpPr>
+      <p:grpSpPr>
+        <a:xfrm>
+          <a:off x="0" y="0"/>
+          <a:ext cx="0" cy="0"/>
+          <a:chOff x="0" y="0"/>
+          <a:chExt cx="0" cy="0"/>
+        </a:xfrm>
+      </p:grpSpPr>
+      <p:sp>
+        <p:nvSpPr>
+          <p:cNvPr id="2" name="Title 1">
+            <a:extLst>
+              <a:ext uri="{FF2B5EF4-FFF2-40B4-BE49-F238E27FC236}">
+                <a16:creationId xmlns:a16="http://schemas.microsoft.com/office/drawing/2014/main" id="{0E63C3A4-76B9-476A-ACE0-6D4E102A7C69}"/>
+              </a:ext>
+            </a:extLst>
+          </p:cNvPr>
+          <p:cNvSpPr>
+            <a:spLocks noGrp="1"/>
+          </p:cNvSpPr>
+          <p:nvPr>
+            <p:ph type="title"/>
+          </p:nvPr>
+        </p:nvSpPr>
+        <p:spPr/>
+        <p:txBody>
+          <a:bodyPr/>
+          <a:lstStyle/>
+          <a:p>
+            <a:r>
+              <a:rPr lang="ro-RO" dirty="0"/>
+              <a:t>Aplicații existente</a:t>
+            </a:r>
+          </a:p>
+        </p:txBody>
+      </p:sp>
+      <p:sp>
+        <p:nvSpPr>
+          <p:cNvPr id="3" name="Content Placeholder 2">
+            <a:extLst>
+              <a:ext uri="{FF2B5EF4-FFF2-40B4-BE49-F238E27FC236}">
+                <a16:creationId xmlns:a16="http://schemas.microsoft.com/office/drawing/2014/main" id="{937C2872-AFE4-413D-A5FC-5EEC8F8E8A08}"/>
+              </a:ext>
+            </a:extLst>
+          </p:cNvPr>
+          <p:cNvSpPr>
+            <a:spLocks noGrp="1"/>
+          </p:cNvSpPr>
+          <p:nvPr>
+            <p:ph idx="1"/>
+          </p:nvPr>
+        </p:nvSpPr>
+        <p:spPr/>
+        <p:txBody>
+          <a:bodyPr/>
+          <a:lstStyle/>
+          <a:p>
+            <a:endParaRPr lang="ro-RO"/>
+          </a:p>
+        </p:txBody>
+      </p:sp>
+    </p:spTree>
+    <p:extLst>
+      <p:ext uri="{BB962C8B-B14F-4D97-AF65-F5344CB8AC3E}">
+        <p14:creationId xmlns:p14="http://schemas.microsoft.com/office/powerpoint/2010/main" val="3100543877"/>
+      </p:ext>
+    </p:extLst>
+  </p:cSld>
+  <p:clrMapOvr>
+    <a:masterClrMapping/>
+  </p:clrMapOvr>
+</p:sld>
+</file>
+
+<file path=ppt/slides/slide6.xml><?xml version="1.0" encoding="utf-8"?>
+<p:sld xmlns:a="http://schemas.openxmlformats.org/drawingml/2006/main" xmlns:r="http://schemas.openxmlformats.org/officeDocument/2006/relationships" xmlns:p="http://schemas.openxmlformats.org/presentationml/2006/main">
+  <p:cSld>
+    <p:spTree>
+      <p:nvGrpSpPr>
+        <p:cNvPr id="1" name=""/>
+        <p:cNvGrpSpPr/>
+        <p:nvPr/>
+      </p:nvGrpSpPr>
+      <p:grpSpPr>
+        <a:xfrm>
+          <a:off x="0" y="0"/>
+          <a:ext cx="0" cy="0"/>
+          <a:chOff x="0" y="0"/>
+          <a:chExt cx="0" cy="0"/>
+        </a:xfrm>
+      </p:grpSpPr>
+      <p:sp>
+        <p:nvSpPr>
+          <p:cNvPr id="2" name="Title 1">
+            <a:extLst>
+              <a:ext uri="{FF2B5EF4-FFF2-40B4-BE49-F238E27FC236}">
+                <a16:creationId xmlns:a16="http://schemas.microsoft.com/office/drawing/2014/main" id="{F6D5D433-25C3-4468-8631-2E4904324948}"/>
+              </a:ext>
+            </a:extLst>
+          </p:cNvPr>
+          <p:cNvSpPr>
+            <a:spLocks noGrp="1"/>
+          </p:cNvSpPr>
+          <p:nvPr>
+            <p:ph type="title"/>
+          </p:nvPr>
+        </p:nvSpPr>
+        <p:spPr/>
+        <p:txBody>
+          <a:bodyPr/>
+          <a:lstStyle/>
+          <a:p>
+            <a:r>
+              <a:rPr lang="ro-RO" dirty="0"/>
+              <a:t>Funcționalitățile aplicației</a:t>
+            </a:r>
+          </a:p>
+        </p:txBody>
+      </p:sp>
+      <p:sp>
+        <p:nvSpPr>
+          <p:cNvPr id="3" name="Content Placeholder 2">
+            <a:extLst>
+              <a:ext uri="{FF2B5EF4-FFF2-40B4-BE49-F238E27FC236}">
+                <a16:creationId xmlns:a16="http://schemas.microsoft.com/office/drawing/2014/main" id="{3355F6FE-1B5B-4383-A60B-32E6AA271538}"/>
+              </a:ext>
+            </a:extLst>
+          </p:cNvPr>
+          <p:cNvSpPr>
+            <a:spLocks noGrp="1"/>
+          </p:cNvSpPr>
+          <p:nvPr>
+            <p:ph idx="1"/>
+          </p:nvPr>
+        </p:nvSpPr>
+        <p:spPr/>
+        <p:txBody>
+          <a:bodyPr/>
+          <a:lstStyle/>
+          <a:p>
+            <a:endParaRPr lang="ro-RO"/>
+          </a:p>
+        </p:txBody>
+      </p:sp>
+    </p:spTree>
+    <p:extLst>
+      <p:ext uri="{BB962C8B-B14F-4D97-AF65-F5344CB8AC3E}">
+        <p14:creationId xmlns:p14="http://schemas.microsoft.com/office/powerpoint/2010/main" val="531267376"/>
+      </p:ext>
+    </p:extLst>
+  </p:cSld>
+  <p:clrMapOvr>
+    <a:masterClrMapping/>
+  </p:clrMapOvr>
+</p:sld>
+</file>
+
+<file path=ppt/slides/slide7.xml><?xml version="1.0" encoding="utf-8"?>
+<p:sld xmlns:a="http://schemas.openxmlformats.org/drawingml/2006/main" xmlns:r="http://schemas.openxmlformats.org/officeDocument/2006/relationships" xmlns:p="http://schemas.openxmlformats.org/presentationml/2006/main">
+  <p:cSld>
+    <p:spTree>
+      <p:nvGrpSpPr>
+        <p:cNvPr id="1" name=""/>
+        <p:cNvGrpSpPr/>
+        <p:nvPr/>
+      </p:nvGrpSpPr>
+      <p:grpSpPr>
+        <a:xfrm>
+          <a:off x="0" y="0"/>
+          <a:ext cx="0" cy="0"/>
+          <a:chOff x="0" y="0"/>
+          <a:chExt cx="0" cy="0"/>
+        </a:xfrm>
+      </p:grpSpPr>
+      <p:sp>
+        <p:nvSpPr>
+          <p:cNvPr id="2" name="Title 1">
+            <a:extLst>
+              <a:ext uri="{FF2B5EF4-FFF2-40B4-BE49-F238E27FC236}">
+                <a16:creationId xmlns:a16="http://schemas.microsoft.com/office/drawing/2014/main" id="{11C43865-ACF7-4439-BCA6-CF57F072B123}"/>
+              </a:ext>
+            </a:extLst>
+          </p:cNvPr>
+          <p:cNvSpPr>
+            <a:spLocks noGrp="1"/>
+          </p:cNvSpPr>
+          <p:nvPr>
+            <p:ph type="title"/>
+          </p:nvPr>
+        </p:nvSpPr>
+        <p:spPr/>
+        <p:txBody>
+          <a:bodyPr/>
+          <a:lstStyle/>
+          <a:p>
+            <a:r>
+              <a:rPr lang="ro-RO" dirty="0"/>
+              <a:t>Arhitectura aplicației</a:t>
+            </a:r>
+          </a:p>
+        </p:txBody>
+      </p:sp>
+      <p:sp>
+        <p:nvSpPr>
+          <p:cNvPr id="3" name="Content Placeholder 2">
+            <a:extLst>
+              <a:ext uri="{FF2B5EF4-FFF2-40B4-BE49-F238E27FC236}">
+                <a16:creationId xmlns:a16="http://schemas.microsoft.com/office/drawing/2014/main" id="{7F5F0D48-1D1E-41DF-8599-D9CF59593F97}"/>
+              </a:ext>
+            </a:extLst>
+          </p:cNvPr>
+          <p:cNvSpPr>
+            <a:spLocks noGrp="1"/>
+          </p:cNvSpPr>
+          <p:nvPr>
+            <p:ph idx="1"/>
+          </p:nvPr>
+        </p:nvSpPr>
+        <p:spPr/>
+        <p:txBody>
+          <a:bodyPr/>
+          <a:lstStyle/>
+          <a:p>
+            <a:endParaRPr lang="ro-RO"/>
+          </a:p>
+        </p:txBody>
+      </p:sp>
+    </p:spTree>
+    <p:extLst>
+      <p:ext uri="{BB962C8B-B14F-4D97-AF65-F5344CB8AC3E}">
+        <p14:creationId xmlns:p14="http://schemas.microsoft.com/office/powerpoint/2010/main" val="849059434"/>
+      </p:ext>
+    </p:extLst>
+  </p:cSld>
+  <p:clrMapOvr>
+    <a:masterClrMapping/>
+  </p:clrMapOvr>
+</p:sld>
+</file>
+
+<file path=ppt/slides/slide8.xml><?xml version="1.0" encoding="utf-8"?>
+<p:sld xmlns:a="http://schemas.openxmlformats.org/drawingml/2006/main" xmlns:r="http://schemas.openxmlformats.org/officeDocument/2006/relationships" xmlns:p="http://schemas.openxmlformats.org/presentationml/2006/main">
+  <p:cSld>
+    <p:spTree>
+      <p:nvGrpSpPr>
+        <p:cNvPr id="1" name=""/>
+        <p:cNvGrpSpPr/>
+        <p:nvPr/>
+      </p:nvGrpSpPr>
+      <p:grpSpPr>
+        <a:xfrm>
+          <a:off x="0" y="0"/>
+          <a:ext cx="0" cy="0"/>
+          <a:chOff x="0" y="0"/>
+          <a:chExt cx="0" cy="0"/>
+        </a:xfrm>
+      </p:grpSpPr>
+      <p:sp>
+        <p:nvSpPr>
+          <p:cNvPr id="2" name="Title 1">
+            <a:extLst>
+              <a:ext uri="{FF2B5EF4-FFF2-40B4-BE49-F238E27FC236}">
+                <a16:creationId xmlns:a16="http://schemas.microsoft.com/office/drawing/2014/main" id="{F6E80379-22F5-45A2-B546-DE176A5C56B5}"/>
+              </a:ext>
+            </a:extLst>
+          </p:cNvPr>
+          <p:cNvSpPr>
+            <a:spLocks noGrp="1"/>
+          </p:cNvSpPr>
+          <p:nvPr>
+            <p:ph type="title"/>
+          </p:nvPr>
+        </p:nvSpPr>
+        <p:spPr/>
+        <p:txBody>
+          <a:bodyPr/>
+          <a:lstStyle/>
+          <a:p>
+            <a:r>
+              <a:rPr lang="ro-RO" dirty="0"/>
+              <a:t>Scenarii de utilizare</a:t>
+            </a:r>
+          </a:p>
+        </p:txBody>
+      </p:sp>
+      <p:sp>
+        <p:nvSpPr>
+          <p:cNvPr id="3" name="Content Placeholder 2">
+            <a:extLst>
+              <a:ext uri="{FF2B5EF4-FFF2-40B4-BE49-F238E27FC236}">
+                <a16:creationId xmlns:a16="http://schemas.microsoft.com/office/drawing/2014/main" id="{2169E735-6A76-45B3-B2C3-92614DD0E08D}"/>
+              </a:ext>
+            </a:extLst>
+          </p:cNvPr>
+          <p:cNvSpPr>
+            <a:spLocks noGrp="1"/>
+          </p:cNvSpPr>
+          <p:nvPr>
+            <p:ph idx="1"/>
+          </p:nvPr>
+        </p:nvSpPr>
+        <p:spPr/>
+        <p:txBody>
+          <a:bodyPr/>
+          <a:lstStyle/>
+          <a:p>
+            <a:endParaRPr lang="ro-RO"/>
+          </a:p>
+        </p:txBody>
+      </p:sp>
+    </p:spTree>
+    <p:extLst>
+      <p:ext uri="{BB962C8B-B14F-4D97-AF65-F5344CB8AC3E}">
+        <p14:creationId xmlns:p14="http://schemas.microsoft.com/office/powerpoint/2010/main" val="1293901245"/>
+      </p:ext>
+    </p:extLst>
+  </p:cSld>
+  <p:clrMapOvr>
+    <a:masterClrMapping/>
+  </p:clrMapOvr>
+</p:sld>
+</file>
+
+<file path=ppt/slides/slide9.xml><?xml version="1.0" encoding="utf-8"?>
+<p:sld xmlns:a="http://schemas.openxmlformats.org/drawingml/2006/main" xmlns:r="http://schemas.openxmlformats.org/officeDocument/2006/relationships" xmlns:p="http://schemas.openxmlformats.org/presentationml/2006/main">
+  <p:cSld>
+    <p:spTree>
+      <p:nvGrpSpPr>
+        <p:cNvPr id="1" name=""/>
+        <p:cNvGrpSpPr/>
+        <p:nvPr/>
+      </p:nvGrpSpPr>
+      <p:grpSpPr>
+        <a:xfrm>
+          <a:off x="0" y="0"/>
+          <a:ext cx="0" cy="0"/>
+          <a:chOff x="0" y="0"/>
+          <a:chExt cx="0" cy="0"/>
+        </a:xfrm>
+      </p:grpSpPr>
+      <p:sp>
+        <p:nvSpPr>
+          <p:cNvPr id="2" name="Title 1">
+            <a:extLst>
+              <a:ext uri="{FF2B5EF4-FFF2-40B4-BE49-F238E27FC236}">
+                <a16:creationId xmlns:a16="http://schemas.microsoft.com/office/drawing/2014/main" id="{1292AEB7-7CA5-42EA-BE58-E36CB3B14D8B}"/>
+              </a:ext>
+            </a:extLst>
+          </p:cNvPr>
+          <p:cNvSpPr>
+            <a:spLocks noGrp="1"/>
+          </p:cNvSpPr>
+          <p:nvPr>
+            <p:ph type="title"/>
+          </p:nvPr>
+        </p:nvSpPr>
+        <p:spPr/>
+        <p:txBody>
+          <a:bodyPr>
+            <a:normAutofit/>
+          </a:bodyPr>
+          <a:lstStyle/>
+          <a:p>
+            <a:pPr algn="ctr"/>
+            <a:r>
+              <a:rPr lang="ro-RO" sz="7200" dirty="0"/>
+              <a:t>Q&amp;A</a:t>
+            </a:r>
+          </a:p>
+        </p:txBody>
+      </p:sp>
+      <p:sp>
+        <p:nvSpPr>
+          <p:cNvPr id="3" name="Content Placeholder 2">
+            <a:extLst>
+              <a:ext uri="{FF2B5EF4-FFF2-40B4-BE49-F238E27FC236}">
+                <a16:creationId xmlns:a16="http://schemas.microsoft.com/office/drawing/2014/main" id="{14F60A6F-79F2-4F3C-8E5B-441300225AD5}"/>
+              </a:ext>
+            </a:extLst>
+          </p:cNvPr>
+          <p:cNvSpPr>
+            <a:spLocks noGrp="1"/>
+          </p:cNvSpPr>
+          <p:nvPr>
+            <p:ph idx="1"/>
+          </p:nvPr>
+        </p:nvSpPr>
+        <p:spPr/>
+        <p:txBody>
+          <a:bodyPr/>
+          <a:lstStyle/>
+          <a:p>
+            <a:endParaRPr lang="ro-RO"/>
+          </a:p>
+        </p:txBody>
+      </p:sp>
+    </p:spTree>
+    <p:extLst>
+      <p:ext uri="{BB962C8B-B14F-4D97-AF65-F5344CB8AC3E}">
+        <p14:creationId xmlns:p14="http://schemas.microsoft.com/office/powerpoint/2010/main" val="495435142"/>
+      </p:ext>
+    </p:extLst>
+  </p:cSld>
+  <p:clrMapOvr>
+    <a:masterClrMapping/>
+  </p:clrMapOvr>
+</p:sld>
+</file>
+
 <file path=ppt/theme/theme1.xml><?xml version="1.0" encoding="utf-8"?>
 <a:theme xmlns:a="http://schemas.openxmlformats.org/drawingml/2006/main" name="Facet">
   <a:themeElements>
